--- a/src/resources/vorlage/Kurzpraesentation-Vorlage.pptx
+++ b/src/resources/vorlage/Kurzpraesentation-Vorlage.pptx
@@ -197,7 +197,7 @@
           <a:p>
             <a:fld id="{00740801-433F-44E3-B7F8-003A0D9A47CE}" type="datetimeFigureOut">
               <a:rPr lang="en-US" smtClean="0"/>
-              <a:t>7/18/2024</a:t>
+              <a:t>7/23/2024</a:t>
             </a:fld>
             <a:endParaRPr lang="en-US"/>
           </a:p>
@@ -695,7 +695,7 @@
           <a:p>
             <a:fld id="{D61CBB64-00C5-4EA1-997A-5081DC46AC06}" type="datetimeFigureOut">
               <a:rPr lang="en-US" smtClean="0"/>
-              <a:t>7/18/2024</a:t>
+              <a:t>7/23/2024</a:t>
             </a:fld>
             <a:endParaRPr lang="en-US"/>
           </a:p>
@@ -893,7 +893,7 @@
           <a:p>
             <a:fld id="{D61CBB64-00C5-4EA1-997A-5081DC46AC06}" type="datetimeFigureOut">
               <a:rPr lang="en-US" smtClean="0"/>
-              <a:t>7/18/2024</a:t>
+              <a:t>7/23/2024</a:t>
             </a:fld>
             <a:endParaRPr lang="en-US"/>
           </a:p>
@@ -1101,7 +1101,7 @@
           <a:p>
             <a:fld id="{D61CBB64-00C5-4EA1-997A-5081DC46AC06}" type="datetimeFigureOut">
               <a:rPr lang="en-US" smtClean="0"/>
-              <a:t>7/18/2024</a:t>
+              <a:t>7/23/2024</a:t>
             </a:fld>
             <a:endParaRPr lang="en-US"/>
           </a:p>
@@ -1299,7 +1299,7 @@
           <a:p>
             <a:fld id="{D61CBB64-00C5-4EA1-997A-5081DC46AC06}" type="datetimeFigureOut">
               <a:rPr lang="en-US" smtClean="0"/>
-              <a:t>7/18/2024</a:t>
+              <a:t>7/23/2024</a:t>
             </a:fld>
             <a:endParaRPr lang="en-US"/>
           </a:p>
@@ -1574,7 +1574,7 @@
           <a:p>
             <a:fld id="{D61CBB64-00C5-4EA1-997A-5081DC46AC06}" type="datetimeFigureOut">
               <a:rPr lang="en-US" smtClean="0"/>
-              <a:t>7/18/2024</a:t>
+              <a:t>7/23/2024</a:t>
             </a:fld>
             <a:endParaRPr lang="en-US"/>
           </a:p>
@@ -1839,7 +1839,7 @@
           <a:p>
             <a:fld id="{D61CBB64-00C5-4EA1-997A-5081DC46AC06}" type="datetimeFigureOut">
               <a:rPr lang="en-US" smtClean="0"/>
-              <a:t>7/18/2024</a:t>
+              <a:t>7/23/2024</a:t>
             </a:fld>
             <a:endParaRPr lang="en-US"/>
           </a:p>
@@ -2251,7 +2251,7 @@
           <a:p>
             <a:fld id="{D61CBB64-00C5-4EA1-997A-5081DC46AC06}" type="datetimeFigureOut">
               <a:rPr lang="en-US" smtClean="0"/>
-              <a:t>7/18/2024</a:t>
+              <a:t>7/23/2024</a:t>
             </a:fld>
             <a:endParaRPr lang="en-US"/>
           </a:p>
@@ -2392,7 +2392,7 @@
           <a:p>
             <a:fld id="{D61CBB64-00C5-4EA1-997A-5081DC46AC06}" type="datetimeFigureOut">
               <a:rPr lang="en-US" smtClean="0"/>
-              <a:t>7/18/2024</a:t>
+              <a:t>7/23/2024</a:t>
             </a:fld>
             <a:endParaRPr lang="en-US"/>
           </a:p>
@@ -2505,7 +2505,7 @@
           <a:p>
             <a:fld id="{D61CBB64-00C5-4EA1-997A-5081DC46AC06}" type="datetimeFigureOut">
               <a:rPr lang="en-US" smtClean="0"/>
-              <a:t>7/18/2024</a:t>
+              <a:t>7/23/2024</a:t>
             </a:fld>
             <a:endParaRPr lang="en-US"/>
           </a:p>
@@ -2816,7 +2816,7 @@
           <a:p>
             <a:fld id="{D61CBB64-00C5-4EA1-997A-5081DC46AC06}" type="datetimeFigureOut">
               <a:rPr lang="en-US" smtClean="0"/>
-              <a:t>7/18/2024</a:t>
+              <a:t>7/23/2024</a:t>
             </a:fld>
             <a:endParaRPr lang="en-US"/>
           </a:p>
@@ -3104,7 +3104,7 @@
           <a:p>
             <a:fld id="{D61CBB64-00C5-4EA1-997A-5081DC46AC06}" type="datetimeFigureOut">
               <a:rPr lang="en-US" smtClean="0"/>
-              <a:t>7/18/2024</a:t>
+              <a:t>7/23/2024</a:t>
             </a:fld>
             <a:endParaRPr lang="en-US"/>
           </a:p>
@@ -3345,7 +3345,7 @@
           <a:p>
             <a:fld id="{D61CBB64-00C5-4EA1-997A-5081DC46AC06}" type="datetimeFigureOut">
               <a:rPr lang="en-US" smtClean="0"/>
-              <a:t>7/18/2024</a:t>
+              <a:t>7/23/2024</a:t>
             </a:fld>
             <a:endParaRPr lang="en-US"/>
           </a:p>
@@ -6413,49 +6413,6 @@
           </a:p>
         </p:txBody>
       </p:sp>
-      <p:sp>
-        <p:nvSpPr>
-          <p:cNvPr id="25" name="NEXT">
-            <a:extLst>
-              <a:ext uri="{FF2B5EF4-FFF2-40B4-BE49-F238E27FC236}">
-                <a16:creationId xmlns:a16="http://schemas.microsoft.com/office/drawing/2014/main" id="{AA3C1DD6-4ED0-FC11-9801-B85A67B225A6}"/>
-              </a:ext>
-            </a:extLst>
-          </p:cNvPr>
-          <p:cNvSpPr txBox="1"/>
-          <p:nvPr/>
-        </p:nvSpPr>
-        <p:spPr>
-          <a:xfrm>
-            <a:off x="3703853" y="6106950"/>
-            <a:ext cx="8797494" cy="461665"/>
-          </a:xfrm>
-          <a:prstGeom prst="rect">
-            <a:avLst/>
-          </a:prstGeom>
-          <a:noFill/>
-        </p:spPr>
-        <p:txBody>
-          <a:bodyPr wrap="square" rtlCol="0">
-            <a:spAutoFit/>
-          </a:bodyPr>
-          <a:lstStyle/>
-          <a:p>
-            <a:pPr algn="ctr" defTabSz="914446">
-              <a:defRPr/>
-            </a:pPr>
-            <a:r>
-              <a:rPr lang="de-DE" sz="2400" b="1" i="1" dirty="0">
-                <a:solidFill>
-                  <a:prstClr val="black"/>
-                </a:solidFill>
-                <a:latin typeface="Arial" panose="020B0604020202020204"/>
-              </a:rPr>
-              <a:t>Vor- und Nachname</a:t>
-            </a:r>
-          </a:p>
-        </p:txBody>
-      </p:sp>
       <p:grpSp>
         <p:nvGrpSpPr>
           <p:cNvPr id="31" name="Gruppieren 30">
@@ -6634,7 +6591,7 @@
         <p:spPr>
           <a:xfrm>
             <a:off x="10571953" y="2679559"/>
-            <a:ext cx="913392" cy="359586"/>
+            <a:ext cx="913392" cy="338298"/>
           </a:xfrm>
           <a:prstGeom prst="rect">
             <a:avLst/>
@@ -6746,7 +6703,7 @@
               </a:lnSpc>
             </a:pPr>
             <a:r>
-              <a:rPr lang="de-DE" sz="2000" b="0" dirty="0">
+              <a:rPr lang="de-DE" sz="1400" b="0" dirty="0">
                 <a:solidFill>
                   <a:schemeClr val="bg1"/>
                 </a:solidFill>
@@ -6754,11 +6711,73 @@
               </a:rPr>
               <a:t>00 Sek</a:t>
             </a:r>
-            <a:endParaRPr sz="2000" b="0" dirty="0">
+            <a:endParaRPr sz="1400" b="0" dirty="0">
               <a:solidFill>
                 <a:schemeClr val="bg1"/>
               </a:solidFill>
               <a:latin typeface="Aptos Display (Headings)"/>
+            </a:endParaRPr>
+          </a:p>
+        </p:txBody>
+      </p:sp>
+      <p:sp>
+        <p:nvSpPr>
+          <p:cNvPr id="8" name="TextBox 16">
+            <a:extLst>
+              <a:ext uri="{FF2B5EF4-FFF2-40B4-BE49-F238E27FC236}">
+                <a16:creationId xmlns:a16="http://schemas.microsoft.com/office/drawing/2014/main" id="{C74682B0-B66D-1737-E55E-2AC1DE557651}"/>
+              </a:ext>
+            </a:extLst>
+          </p:cNvPr>
+          <p:cNvSpPr txBox="1"/>
+          <p:nvPr/>
+        </p:nvSpPr>
+        <p:spPr>
+          <a:xfrm>
+            <a:off x="6026858" y="5973990"/>
+            <a:ext cx="4058977" cy="575350"/>
+          </a:xfrm>
+          <a:prstGeom prst="rect">
+            <a:avLst/>
+          </a:prstGeom>
+        </p:spPr>
+        <p:txBody>
+          <a:bodyPr lIns="0" tIns="0" rIns="0" bIns="0" rtlCol="0" anchor="t">
+            <a:spAutoFit/>
+          </a:bodyPr>
+          <a:lstStyle/>
+          <a:p>
+            <a:pPr algn="ctr">
+              <a:lnSpc>
+                <a:spcPts val="4782"/>
+              </a:lnSpc>
+              <a:spcBef>
+                <a:spcPct val="0"/>
+              </a:spcBef>
+            </a:pPr>
+            <a:r>
+              <a:rPr lang="de-DE" sz="3200" dirty="0">
+                <a:solidFill>
+                  <a:srgbClr val="000000"/>
+                </a:solidFill>
+                <a:latin typeface="+mj-lt"/>
+              </a:rPr>
+              <a:t>Vor- </a:t>
+            </a:r>
+            <a:r>
+              <a:rPr lang="de-DE" sz="3200">
+                <a:solidFill>
+                  <a:srgbClr val="000000"/>
+                </a:solidFill>
+                <a:latin typeface="+mj-lt"/>
+              </a:rPr>
+              <a:t>und Nachname</a:t>
+            </a:r>
+            <a:endParaRPr lang="de-DE" sz="3600" dirty="0">
+              <a:solidFill>
+                <a:srgbClr val="000000"/>
+              </a:solidFill>
+              <a:latin typeface="+mj-lt"/>
             </a:endParaRPr>
           </a:p>
         </p:txBody>
